--- a/ppt 16-9/1175.美好的天堂为.pptx
+++ b/ppt 16-9/1175.美好的天堂为.pptx
@@ -129,7 +129,7 @@
           <p:cNvPr id="2" name="标题 1">
             <a:extLst>
               <a:ext uri="{FF2B5EF4-FFF2-40B4-BE49-F238E27FC236}">
-                <a16:creationId xmlns:a16="http://schemas.microsoft.com/office/drawing/2014/main" id="{32B8C511-B8A1-0F60-6065-BE062EBD0408}"/>
+                <a16:creationId xmlns:a16="http://schemas.microsoft.com/office/drawing/2014/main" id="{BDC80D0D-A330-1456-8EE8-E98FF7DD2B1C}"/>
               </a:ext>
             </a:extLst>
           </p:cNvPr>
@@ -166,7 +166,7 @@
           <p:cNvPr id="3" name="副标题 2">
             <a:extLst>
               <a:ext uri="{FF2B5EF4-FFF2-40B4-BE49-F238E27FC236}">
-                <a16:creationId xmlns:a16="http://schemas.microsoft.com/office/drawing/2014/main" id="{86D12888-6D9D-8F72-142F-1981A00DEC3E}"/>
+                <a16:creationId xmlns:a16="http://schemas.microsoft.com/office/drawing/2014/main" id="{1EC41145-20AE-0008-CEA4-0CFA9E145EEB}"/>
               </a:ext>
             </a:extLst>
           </p:cNvPr>
@@ -236,7 +236,7 @@
           <p:cNvPr id="4" name="日期占位符 3">
             <a:extLst>
               <a:ext uri="{FF2B5EF4-FFF2-40B4-BE49-F238E27FC236}">
-                <a16:creationId xmlns:a16="http://schemas.microsoft.com/office/drawing/2014/main" id="{F80FAC2E-E0BD-640D-087E-EE50C56758BF}"/>
+                <a16:creationId xmlns:a16="http://schemas.microsoft.com/office/drawing/2014/main" id="{5A68990C-2564-8272-BC50-A9E6B7AAB7F9}"/>
               </a:ext>
             </a:extLst>
           </p:cNvPr>
@@ -252,7 +252,7 @@
           <a:bodyPr/>
           <a:lstStyle/>
           <a:p>
-            <a:fld id="{D9315C49-1B90-4F33-8E79-87FA99ECAF19}" type="datetimeFigureOut">
+            <a:fld id="{46629511-0FB3-41A2-843F-854190FA91C3}" type="datetimeFigureOut">
               <a:rPr lang="zh-CN" altLang="en-US" smtClean="0"/>
               <a:t>2024/3/10</a:t>
             </a:fld>
@@ -265,7 +265,7 @@
           <p:cNvPr id="5" name="页脚占位符 4">
             <a:extLst>
               <a:ext uri="{FF2B5EF4-FFF2-40B4-BE49-F238E27FC236}">
-                <a16:creationId xmlns:a16="http://schemas.microsoft.com/office/drawing/2014/main" id="{F64F6D00-A2F7-CD89-1D18-B611B525702A}"/>
+                <a16:creationId xmlns:a16="http://schemas.microsoft.com/office/drawing/2014/main" id="{0BB04D76-DD8E-1E32-8E26-DA874808AA65}"/>
               </a:ext>
             </a:extLst>
           </p:cNvPr>
@@ -290,7 +290,7 @@
           <p:cNvPr id="6" name="灯片编号占位符 5">
             <a:extLst>
               <a:ext uri="{FF2B5EF4-FFF2-40B4-BE49-F238E27FC236}">
-                <a16:creationId xmlns:a16="http://schemas.microsoft.com/office/drawing/2014/main" id="{D4C45A0F-C1DA-675F-9D8F-59B6EE33E3A1}"/>
+                <a16:creationId xmlns:a16="http://schemas.microsoft.com/office/drawing/2014/main" id="{C999125B-0D76-5AB2-5E6C-21198E04DDFC}"/>
               </a:ext>
             </a:extLst>
           </p:cNvPr>
@@ -306,7 +306,7 @@
           <a:bodyPr/>
           <a:lstStyle/>
           <a:p>
-            <a:fld id="{46F4DD67-95E2-4A1C-A462-C86C75EA3CCA}" type="slidenum">
+            <a:fld id="{549D90DA-E441-45BA-8661-D266EC224355}" type="slidenum">
               <a:rPr lang="zh-CN" altLang="en-US" smtClean="0"/>
               <a:t>‹#›</a:t>
             </a:fld>
@@ -317,7 +317,7 @@
     </p:spTree>
     <p:extLst>
       <p:ext uri="{BB962C8B-B14F-4D97-AF65-F5344CB8AC3E}">
-        <p14:creationId xmlns:p14="http://schemas.microsoft.com/office/powerpoint/2010/main" val="2531783546"/>
+        <p14:creationId xmlns:p14="http://schemas.microsoft.com/office/powerpoint/2010/main" val="2413571263"/>
       </p:ext>
     </p:extLst>
   </p:cSld>
@@ -349,7 +349,7 @@
           <p:cNvPr id="2" name="标题 1">
             <a:extLst>
               <a:ext uri="{FF2B5EF4-FFF2-40B4-BE49-F238E27FC236}">
-                <a16:creationId xmlns:a16="http://schemas.microsoft.com/office/drawing/2014/main" id="{8FFCE6CA-5CD8-B6BC-0C20-394510CD28A0}"/>
+                <a16:creationId xmlns:a16="http://schemas.microsoft.com/office/drawing/2014/main" id="{9E9E4509-67C6-774F-4940-2A936CC02EF2}"/>
               </a:ext>
             </a:extLst>
           </p:cNvPr>
@@ -377,7 +377,7 @@
           <p:cNvPr id="3" name="竖排文字占位符 2">
             <a:extLst>
               <a:ext uri="{FF2B5EF4-FFF2-40B4-BE49-F238E27FC236}">
-                <a16:creationId xmlns:a16="http://schemas.microsoft.com/office/drawing/2014/main" id="{64B7EEC5-3025-545D-092C-A4A46E69F9E2}"/>
+                <a16:creationId xmlns:a16="http://schemas.microsoft.com/office/drawing/2014/main" id="{BA39EBDD-0535-DE7C-84C1-10C85F2C0600}"/>
               </a:ext>
             </a:extLst>
           </p:cNvPr>
@@ -434,7 +434,7 @@
           <p:cNvPr id="4" name="日期占位符 3">
             <a:extLst>
               <a:ext uri="{FF2B5EF4-FFF2-40B4-BE49-F238E27FC236}">
-                <a16:creationId xmlns:a16="http://schemas.microsoft.com/office/drawing/2014/main" id="{F6630161-7B86-FF3F-9BDE-EE95BEBE8B71}"/>
+                <a16:creationId xmlns:a16="http://schemas.microsoft.com/office/drawing/2014/main" id="{EB8C2735-308D-53A3-6AE7-901D00239F63}"/>
               </a:ext>
             </a:extLst>
           </p:cNvPr>
@@ -450,7 +450,7 @@
           <a:bodyPr/>
           <a:lstStyle/>
           <a:p>
-            <a:fld id="{D9315C49-1B90-4F33-8E79-87FA99ECAF19}" type="datetimeFigureOut">
+            <a:fld id="{46629511-0FB3-41A2-843F-854190FA91C3}" type="datetimeFigureOut">
               <a:rPr lang="zh-CN" altLang="en-US" smtClean="0"/>
               <a:t>2024/3/10</a:t>
             </a:fld>
@@ -463,7 +463,7 @@
           <p:cNvPr id="5" name="页脚占位符 4">
             <a:extLst>
               <a:ext uri="{FF2B5EF4-FFF2-40B4-BE49-F238E27FC236}">
-                <a16:creationId xmlns:a16="http://schemas.microsoft.com/office/drawing/2014/main" id="{358B9A3C-A7BC-BE4D-DB90-5E55415D5F22}"/>
+                <a16:creationId xmlns:a16="http://schemas.microsoft.com/office/drawing/2014/main" id="{0577A1BA-27EA-0B4B-2062-C4A9B9AA2F42}"/>
               </a:ext>
             </a:extLst>
           </p:cNvPr>
@@ -488,7 +488,7 @@
           <p:cNvPr id="6" name="灯片编号占位符 5">
             <a:extLst>
               <a:ext uri="{FF2B5EF4-FFF2-40B4-BE49-F238E27FC236}">
-                <a16:creationId xmlns:a16="http://schemas.microsoft.com/office/drawing/2014/main" id="{7ACB81B5-EFD5-355D-2F7C-72EF436D037F}"/>
+                <a16:creationId xmlns:a16="http://schemas.microsoft.com/office/drawing/2014/main" id="{976B2732-A573-461A-6E4B-221703D6EE3D}"/>
               </a:ext>
             </a:extLst>
           </p:cNvPr>
@@ -504,7 +504,7 @@
           <a:bodyPr/>
           <a:lstStyle/>
           <a:p>
-            <a:fld id="{46F4DD67-95E2-4A1C-A462-C86C75EA3CCA}" type="slidenum">
+            <a:fld id="{549D90DA-E441-45BA-8661-D266EC224355}" type="slidenum">
               <a:rPr lang="zh-CN" altLang="en-US" smtClean="0"/>
               <a:t>‹#›</a:t>
             </a:fld>
@@ -515,7 +515,7 @@
     </p:spTree>
     <p:extLst>
       <p:ext uri="{BB962C8B-B14F-4D97-AF65-F5344CB8AC3E}">
-        <p14:creationId xmlns:p14="http://schemas.microsoft.com/office/powerpoint/2010/main" val="1026871308"/>
+        <p14:creationId xmlns:p14="http://schemas.microsoft.com/office/powerpoint/2010/main" val="1310342189"/>
       </p:ext>
     </p:extLst>
   </p:cSld>
@@ -547,7 +547,7 @@
           <p:cNvPr id="2" name="竖排标题 1">
             <a:extLst>
               <a:ext uri="{FF2B5EF4-FFF2-40B4-BE49-F238E27FC236}">
-                <a16:creationId xmlns:a16="http://schemas.microsoft.com/office/drawing/2014/main" id="{81035045-577B-90E6-19D1-67F3E9118AD7}"/>
+                <a16:creationId xmlns:a16="http://schemas.microsoft.com/office/drawing/2014/main" id="{DC09EDCA-339F-5187-6BD3-FDBFB0371337}"/>
               </a:ext>
             </a:extLst>
           </p:cNvPr>
@@ -580,7 +580,7 @@
           <p:cNvPr id="3" name="竖排文字占位符 2">
             <a:extLst>
               <a:ext uri="{FF2B5EF4-FFF2-40B4-BE49-F238E27FC236}">
-                <a16:creationId xmlns:a16="http://schemas.microsoft.com/office/drawing/2014/main" id="{49E9CD61-02FF-111D-3D8C-0D49B9D615F0}"/>
+                <a16:creationId xmlns:a16="http://schemas.microsoft.com/office/drawing/2014/main" id="{D55B5F8F-2929-A057-6DFA-90B7C5D4FC2C}"/>
               </a:ext>
             </a:extLst>
           </p:cNvPr>
@@ -642,7 +642,7 @@
           <p:cNvPr id="4" name="日期占位符 3">
             <a:extLst>
               <a:ext uri="{FF2B5EF4-FFF2-40B4-BE49-F238E27FC236}">
-                <a16:creationId xmlns:a16="http://schemas.microsoft.com/office/drawing/2014/main" id="{D97EA8E7-302B-5833-9F91-E5FB2FE26631}"/>
+                <a16:creationId xmlns:a16="http://schemas.microsoft.com/office/drawing/2014/main" id="{1CF8AA20-F9E8-6E96-E076-F87914C374CB}"/>
               </a:ext>
             </a:extLst>
           </p:cNvPr>
@@ -658,7 +658,7 @@
           <a:bodyPr/>
           <a:lstStyle/>
           <a:p>
-            <a:fld id="{D9315C49-1B90-4F33-8E79-87FA99ECAF19}" type="datetimeFigureOut">
+            <a:fld id="{46629511-0FB3-41A2-843F-854190FA91C3}" type="datetimeFigureOut">
               <a:rPr lang="zh-CN" altLang="en-US" smtClean="0"/>
               <a:t>2024/3/10</a:t>
             </a:fld>
@@ -671,7 +671,7 @@
           <p:cNvPr id="5" name="页脚占位符 4">
             <a:extLst>
               <a:ext uri="{FF2B5EF4-FFF2-40B4-BE49-F238E27FC236}">
-                <a16:creationId xmlns:a16="http://schemas.microsoft.com/office/drawing/2014/main" id="{9B3DAEF3-7412-DC2D-138E-0EE8C41FB2B2}"/>
+                <a16:creationId xmlns:a16="http://schemas.microsoft.com/office/drawing/2014/main" id="{573810B4-B48D-4C36-B229-40A8DB1F49BE}"/>
               </a:ext>
             </a:extLst>
           </p:cNvPr>
@@ -696,7 +696,7 @@
           <p:cNvPr id="6" name="灯片编号占位符 5">
             <a:extLst>
               <a:ext uri="{FF2B5EF4-FFF2-40B4-BE49-F238E27FC236}">
-                <a16:creationId xmlns:a16="http://schemas.microsoft.com/office/drawing/2014/main" id="{4581CB4F-93DD-7D26-8C80-ECE84C2079FB}"/>
+                <a16:creationId xmlns:a16="http://schemas.microsoft.com/office/drawing/2014/main" id="{30C685D7-7068-FAD4-C465-C4BCBF33DB7B}"/>
               </a:ext>
             </a:extLst>
           </p:cNvPr>
@@ -712,7 +712,7 @@
           <a:bodyPr/>
           <a:lstStyle/>
           <a:p>
-            <a:fld id="{46F4DD67-95E2-4A1C-A462-C86C75EA3CCA}" type="slidenum">
+            <a:fld id="{549D90DA-E441-45BA-8661-D266EC224355}" type="slidenum">
               <a:rPr lang="zh-CN" altLang="en-US" smtClean="0"/>
               <a:t>‹#›</a:t>
             </a:fld>
@@ -723,7 +723,7 @@
     </p:spTree>
     <p:extLst>
       <p:ext uri="{BB962C8B-B14F-4D97-AF65-F5344CB8AC3E}">
-        <p14:creationId xmlns:p14="http://schemas.microsoft.com/office/powerpoint/2010/main" val="3803360048"/>
+        <p14:creationId xmlns:p14="http://schemas.microsoft.com/office/powerpoint/2010/main" val="794067493"/>
       </p:ext>
     </p:extLst>
   </p:cSld>
@@ -755,7 +755,7 @@
           <p:cNvPr id="2" name="标题 1">
             <a:extLst>
               <a:ext uri="{FF2B5EF4-FFF2-40B4-BE49-F238E27FC236}">
-                <a16:creationId xmlns:a16="http://schemas.microsoft.com/office/drawing/2014/main" id="{CA3DEC58-158C-1703-4AE0-0234FD4600CF}"/>
+                <a16:creationId xmlns:a16="http://schemas.microsoft.com/office/drawing/2014/main" id="{D07EC7DE-1B92-51D7-C982-353D683F251C}"/>
               </a:ext>
             </a:extLst>
           </p:cNvPr>
@@ -783,7 +783,7 @@
           <p:cNvPr id="3" name="内容占位符 2">
             <a:extLst>
               <a:ext uri="{FF2B5EF4-FFF2-40B4-BE49-F238E27FC236}">
-                <a16:creationId xmlns:a16="http://schemas.microsoft.com/office/drawing/2014/main" id="{4945B6A7-3549-08F5-4E60-D60771C0FEB1}"/>
+                <a16:creationId xmlns:a16="http://schemas.microsoft.com/office/drawing/2014/main" id="{3BDF8B12-7B36-42D7-8183-43169154EEAA}"/>
               </a:ext>
             </a:extLst>
           </p:cNvPr>
@@ -840,7 +840,7 @@
           <p:cNvPr id="4" name="日期占位符 3">
             <a:extLst>
               <a:ext uri="{FF2B5EF4-FFF2-40B4-BE49-F238E27FC236}">
-                <a16:creationId xmlns:a16="http://schemas.microsoft.com/office/drawing/2014/main" id="{7FF74F28-8487-0062-635D-396DBA3B78CD}"/>
+                <a16:creationId xmlns:a16="http://schemas.microsoft.com/office/drawing/2014/main" id="{53C4F9CF-8B59-2C37-D4C9-70F0C52792C6}"/>
               </a:ext>
             </a:extLst>
           </p:cNvPr>
@@ -856,7 +856,7 @@
           <a:bodyPr/>
           <a:lstStyle/>
           <a:p>
-            <a:fld id="{D9315C49-1B90-4F33-8E79-87FA99ECAF19}" type="datetimeFigureOut">
+            <a:fld id="{46629511-0FB3-41A2-843F-854190FA91C3}" type="datetimeFigureOut">
               <a:rPr lang="zh-CN" altLang="en-US" smtClean="0"/>
               <a:t>2024/3/10</a:t>
             </a:fld>
@@ -869,7 +869,7 @@
           <p:cNvPr id="5" name="页脚占位符 4">
             <a:extLst>
               <a:ext uri="{FF2B5EF4-FFF2-40B4-BE49-F238E27FC236}">
-                <a16:creationId xmlns:a16="http://schemas.microsoft.com/office/drawing/2014/main" id="{FB475FE7-0DB6-50F3-737B-727B76D15301}"/>
+                <a16:creationId xmlns:a16="http://schemas.microsoft.com/office/drawing/2014/main" id="{7B0AF314-5DD5-D8AE-CB21-15B37895D591}"/>
               </a:ext>
             </a:extLst>
           </p:cNvPr>
@@ -894,7 +894,7 @@
           <p:cNvPr id="6" name="灯片编号占位符 5">
             <a:extLst>
               <a:ext uri="{FF2B5EF4-FFF2-40B4-BE49-F238E27FC236}">
-                <a16:creationId xmlns:a16="http://schemas.microsoft.com/office/drawing/2014/main" id="{2EDDE07A-D1D8-845A-9808-9A703A94F45D}"/>
+                <a16:creationId xmlns:a16="http://schemas.microsoft.com/office/drawing/2014/main" id="{7FA86220-B4A6-C100-D6DB-94A1184BBCCA}"/>
               </a:ext>
             </a:extLst>
           </p:cNvPr>
@@ -910,7 +910,7 @@
           <a:bodyPr/>
           <a:lstStyle/>
           <a:p>
-            <a:fld id="{46F4DD67-95E2-4A1C-A462-C86C75EA3CCA}" type="slidenum">
+            <a:fld id="{549D90DA-E441-45BA-8661-D266EC224355}" type="slidenum">
               <a:rPr lang="zh-CN" altLang="en-US" smtClean="0"/>
               <a:t>‹#›</a:t>
             </a:fld>
@@ -921,7 +921,7 @@
     </p:spTree>
     <p:extLst>
       <p:ext uri="{BB962C8B-B14F-4D97-AF65-F5344CB8AC3E}">
-        <p14:creationId xmlns:p14="http://schemas.microsoft.com/office/powerpoint/2010/main" val="2635253272"/>
+        <p14:creationId xmlns:p14="http://schemas.microsoft.com/office/powerpoint/2010/main" val="1868355708"/>
       </p:ext>
     </p:extLst>
   </p:cSld>
@@ -953,7 +953,7 @@
           <p:cNvPr id="2" name="标题 1">
             <a:extLst>
               <a:ext uri="{FF2B5EF4-FFF2-40B4-BE49-F238E27FC236}">
-                <a16:creationId xmlns:a16="http://schemas.microsoft.com/office/drawing/2014/main" id="{8D01DB43-AED4-A07E-0C2F-11B711543D79}"/>
+                <a16:creationId xmlns:a16="http://schemas.microsoft.com/office/drawing/2014/main" id="{CEEB4CA7-CA75-AA9C-EA4E-334C92A6C83F}"/>
               </a:ext>
             </a:extLst>
           </p:cNvPr>
@@ -990,7 +990,7 @@
           <p:cNvPr id="3" name="文本占位符 2">
             <a:extLst>
               <a:ext uri="{FF2B5EF4-FFF2-40B4-BE49-F238E27FC236}">
-                <a16:creationId xmlns:a16="http://schemas.microsoft.com/office/drawing/2014/main" id="{378E31F2-869C-347B-A2EA-70B4A4C357AE}"/>
+                <a16:creationId xmlns:a16="http://schemas.microsoft.com/office/drawing/2014/main" id="{CB738589-F253-914E-86FC-F188E003499A}"/>
               </a:ext>
             </a:extLst>
           </p:cNvPr>
@@ -1115,7 +1115,7 @@
           <p:cNvPr id="4" name="日期占位符 3">
             <a:extLst>
               <a:ext uri="{FF2B5EF4-FFF2-40B4-BE49-F238E27FC236}">
-                <a16:creationId xmlns:a16="http://schemas.microsoft.com/office/drawing/2014/main" id="{FE3B53A0-3B24-0BA0-FEC8-DA480CDE7BC0}"/>
+                <a16:creationId xmlns:a16="http://schemas.microsoft.com/office/drawing/2014/main" id="{C095FD9E-A55B-1FE4-B201-75F5E61F7914}"/>
               </a:ext>
             </a:extLst>
           </p:cNvPr>
@@ -1131,7 +1131,7 @@
           <a:bodyPr/>
           <a:lstStyle/>
           <a:p>
-            <a:fld id="{D9315C49-1B90-4F33-8E79-87FA99ECAF19}" type="datetimeFigureOut">
+            <a:fld id="{46629511-0FB3-41A2-843F-854190FA91C3}" type="datetimeFigureOut">
               <a:rPr lang="zh-CN" altLang="en-US" smtClean="0"/>
               <a:t>2024/3/10</a:t>
             </a:fld>
@@ -1144,7 +1144,7 @@
           <p:cNvPr id="5" name="页脚占位符 4">
             <a:extLst>
               <a:ext uri="{FF2B5EF4-FFF2-40B4-BE49-F238E27FC236}">
-                <a16:creationId xmlns:a16="http://schemas.microsoft.com/office/drawing/2014/main" id="{F2F1FBA9-28B4-1060-264E-7CC8D518A2F4}"/>
+                <a16:creationId xmlns:a16="http://schemas.microsoft.com/office/drawing/2014/main" id="{6B645A69-32B5-1684-77E0-60FD3CAE213F}"/>
               </a:ext>
             </a:extLst>
           </p:cNvPr>
@@ -1169,7 +1169,7 @@
           <p:cNvPr id="6" name="灯片编号占位符 5">
             <a:extLst>
               <a:ext uri="{FF2B5EF4-FFF2-40B4-BE49-F238E27FC236}">
-                <a16:creationId xmlns:a16="http://schemas.microsoft.com/office/drawing/2014/main" id="{DCB7096E-E114-261B-5DC3-6E6B31D216C0}"/>
+                <a16:creationId xmlns:a16="http://schemas.microsoft.com/office/drawing/2014/main" id="{82061D3B-4B6A-5645-AA65-1029A53F3CDB}"/>
               </a:ext>
             </a:extLst>
           </p:cNvPr>
@@ -1185,7 +1185,7 @@
           <a:bodyPr/>
           <a:lstStyle/>
           <a:p>
-            <a:fld id="{46F4DD67-95E2-4A1C-A462-C86C75EA3CCA}" type="slidenum">
+            <a:fld id="{549D90DA-E441-45BA-8661-D266EC224355}" type="slidenum">
               <a:rPr lang="zh-CN" altLang="en-US" smtClean="0"/>
               <a:t>‹#›</a:t>
             </a:fld>
@@ -1196,7 +1196,7 @@
     </p:spTree>
     <p:extLst>
       <p:ext uri="{BB962C8B-B14F-4D97-AF65-F5344CB8AC3E}">
-        <p14:creationId xmlns:p14="http://schemas.microsoft.com/office/powerpoint/2010/main" val="2809187779"/>
+        <p14:creationId xmlns:p14="http://schemas.microsoft.com/office/powerpoint/2010/main" val="2417280315"/>
       </p:ext>
     </p:extLst>
   </p:cSld>
@@ -1228,7 +1228,7 @@
           <p:cNvPr id="2" name="标题 1">
             <a:extLst>
               <a:ext uri="{FF2B5EF4-FFF2-40B4-BE49-F238E27FC236}">
-                <a16:creationId xmlns:a16="http://schemas.microsoft.com/office/drawing/2014/main" id="{F5E25FC1-A87D-7366-417E-7BDBB1254A49}"/>
+                <a16:creationId xmlns:a16="http://schemas.microsoft.com/office/drawing/2014/main" id="{488FCCDA-9300-071C-0A20-57CB70F6816A}"/>
               </a:ext>
             </a:extLst>
           </p:cNvPr>
@@ -1256,7 +1256,7 @@
           <p:cNvPr id="3" name="内容占位符 2">
             <a:extLst>
               <a:ext uri="{FF2B5EF4-FFF2-40B4-BE49-F238E27FC236}">
-                <a16:creationId xmlns:a16="http://schemas.microsoft.com/office/drawing/2014/main" id="{E6A6F768-4913-D8FC-24EB-5ACA371D5AB2}"/>
+                <a16:creationId xmlns:a16="http://schemas.microsoft.com/office/drawing/2014/main" id="{5FB080AA-F43B-1176-080E-3D00C69ED738}"/>
               </a:ext>
             </a:extLst>
           </p:cNvPr>
@@ -1318,7 +1318,7 @@
           <p:cNvPr id="4" name="内容占位符 3">
             <a:extLst>
               <a:ext uri="{FF2B5EF4-FFF2-40B4-BE49-F238E27FC236}">
-                <a16:creationId xmlns:a16="http://schemas.microsoft.com/office/drawing/2014/main" id="{2D420DB2-1C02-24C9-3AD0-05DF04846E9C}"/>
+                <a16:creationId xmlns:a16="http://schemas.microsoft.com/office/drawing/2014/main" id="{938910FE-FCCF-3426-E6A1-253476C5AA71}"/>
               </a:ext>
             </a:extLst>
           </p:cNvPr>
@@ -1380,7 +1380,7 @@
           <p:cNvPr id="5" name="日期占位符 4">
             <a:extLst>
               <a:ext uri="{FF2B5EF4-FFF2-40B4-BE49-F238E27FC236}">
-                <a16:creationId xmlns:a16="http://schemas.microsoft.com/office/drawing/2014/main" id="{9C1CA938-DCD4-63D8-F156-E7CECEC0A5EB}"/>
+                <a16:creationId xmlns:a16="http://schemas.microsoft.com/office/drawing/2014/main" id="{9C21F6E1-A21D-C255-5E8A-F8C93F769ADC}"/>
               </a:ext>
             </a:extLst>
           </p:cNvPr>
@@ -1396,7 +1396,7 @@
           <a:bodyPr/>
           <a:lstStyle/>
           <a:p>
-            <a:fld id="{D9315C49-1B90-4F33-8E79-87FA99ECAF19}" type="datetimeFigureOut">
+            <a:fld id="{46629511-0FB3-41A2-843F-854190FA91C3}" type="datetimeFigureOut">
               <a:rPr lang="zh-CN" altLang="en-US" smtClean="0"/>
               <a:t>2024/3/10</a:t>
             </a:fld>
@@ -1409,7 +1409,7 @@
           <p:cNvPr id="6" name="页脚占位符 5">
             <a:extLst>
               <a:ext uri="{FF2B5EF4-FFF2-40B4-BE49-F238E27FC236}">
-                <a16:creationId xmlns:a16="http://schemas.microsoft.com/office/drawing/2014/main" id="{BECD546B-0ACC-860E-F7B2-B6A4BC11CAE0}"/>
+                <a16:creationId xmlns:a16="http://schemas.microsoft.com/office/drawing/2014/main" id="{C23B4A41-378B-D840-904E-2CEDDEB71DFA}"/>
               </a:ext>
             </a:extLst>
           </p:cNvPr>
@@ -1434,7 +1434,7 @@
           <p:cNvPr id="7" name="灯片编号占位符 6">
             <a:extLst>
               <a:ext uri="{FF2B5EF4-FFF2-40B4-BE49-F238E27FC236}">
-                <a16:creationId xmlns:a16="http://schemas.microsoft.com/office/drawing/2014/main" id="{920240F1-1689-D5EF-6FBF-063C4FBAD38B}"/>
+                <a16:creationId xmlns:a16="http://schemas.microsoft.com/office/drawing/2014/main" id="{F4E16D82-D4F5-2538-7572-B29735E01A8E}"/>
               </a:ext>
             </a:extLst>
           </p:cNvPr>
@@ -1450,7 +1450,7 @@
           <a:bodyPr/>
           <a:lstStyle/>
           <a:p>
-            <a:fld id="{46F4DD67-95E2-4A1C-A462-C86C75EA3CCA}" type="slidenum">
+            <a:fld id="{549D90DA-E441-45BA-8661-D266EC224355}" type="slidenum">
               <a:rPr lang="zh-CN" altLang="en-US" smtClean="0"/>
               <a:t>‹#›</a:t>
             </a:fld>
@@ -1461,7 +1461,7 @@
     </p:spTree>
     <p:extLst>
       <p:ext uri="{BB962C8B-B14F-4D97-AF65-F5344CB8AC3E}">
-        <p14:creationId xmlns:p14="http://schemas.microsoft.com/office/powerpoint/2010/main" val="1136176996"/>
+        <p14:creationId xmlns:p14="http://schemas.microsoft.com/office/powerpoint/2010/main" val="3520569848"/>
       </p:ext>
     </p:extLst>
   </p:cSld>
@@ -1493,7 +1493,7 @@
           <p:cNvPr id="2" name="标题 1">
             <a:extLst>
               <a:ext uri="{FF2B5EF4-FFF2-40B4-BE49-F238E27FC236}">
-                <a16:creationId xmlns:a16="http://schemas.microsoft.com/office/drawing/2014/main" id="{AED0CD5A-3E0B-0A02-157F-786A1EFE5ADC}"/>
+                <a16:creationId xmlns:a16="http://schemas.microsoft.com/office/drawing/2014/main" id="{13AB3283-7EF6-1E23-43C8-886695BCA983}"/>
               </a:ext>
             </a:extLst>
           </p:cNvPr>
@@ -1526,7 +1526,7 @@
           <p:cNvPr id="3" name="文本占位符 2">
             <a:extLst>
               <a:ext uri="{FF2B5EF4-FFF2-40B4-BE49-F238E27FC236}">
-                <a16:creationId xmlns:a16="http://schemas.microsoft.com/office/drawing/2014/main" id="{150CD6EE-2941-5883-8055-C9BA0AA85211}"/>
+                <a16:creationId xmlns:a16="http://schemas.microsoft.com/office/drawing/2014/main" id="{4CE48615-7128-5D5F-EDDF-F2D7C5A6DB71}"/>
               </a:ext>
             </a:extLst>
           </p:cNvPr>
@@ -1597,7 +1597,7 @@
           <p:cNvPr id="4" name="内容占位符 3">
             <a:extLst>
               <a:ext uri="{FF2B5EF4-FFF2-40B4-BE49-F238E27FC236}">
-                <a16:creationId xmlns:a16="http://schemas.microsoft.com/office/drawing/2014/main" id="{7E17EB63-4A44-F819-700A-902813D448BE}"/>
+                <a16:creationId xmlns:a16="http://schemas.microsoft.com/office/drawing/2014/main" id="{BE491555-2F57-561A-B8A4-FA7559C46F0B}"/>
               </a:ext>
             </a:extLst>
           </p:cNvPr>
@@ -1659,7 +1659,7 @@
           <p:cNvPr id="5" name="文本占位符 4">
             <a:extLst>
               <a:ext uri="{FF2B5EF4-FFF2-40B4-BE49-F238E27FC236}">
-                <a16:creationId xmlns:a16="http://schemas.microsoft.com/office/drawing/2014/main" id="{2FA70224-678D-7468-6406-833B0662D7CA}"/>
+                <a16:creationId xmlns:a16="http://schemas.microsoft.com/office/drawing/2014/main" id="{FC505254-2171-C8BF-3FE4-4AB3E2277FDC}"/>
               </a:ext>
             </a:extLst>
           </p:cNvPr>
@@ -1730,7 +1730,7 @@
           <p:cNvPr id="6" name="内容占位符 5">
             <a:extLst>
               <a:ext uri="{FF2B5EF4-FFF2-40B4-BE49-F238E27FC236}">
-                <a16:creationId xmlns:a16="http://schemas.microsoft.com/office/drawing/2014/main" id="{ABB23ABD-364A-86A0-82FF-BB951F4AFF4D}"/>
+                <a16:creationId xmlns:a16="http://schemas.microsoft.com/office/drawing/2014/main" id="{D39FBD39-640F-327E-9AFF-BF9A738AA291}"/>
               </a:ext>
             </a:extLst>
           </p:cNvPr>
@@ -1792,7 +1792,7 @@
           <p:cNvPr id="7" name="日期占位符 6">
             <a:extLst>
               <a:ext uri="{FF2B5EF4-FFF2-40B4-BE49-F238E27FC236}">
-                <a16:creationId xmlns:a16="http://schemas.microsoft.com/office/drawing/2014/main" id="{9606048F-4A29-6D3C-439D-B6E93B0467D2}"/>
+                <a16:creationId xmlns:a16="http://schemas.microsoft.com/office/drawing/2014/main" id="{05C34BFE-1611-1C10-8548-E26AB74F7091}"/>
               </a:ext>
             </a:extLst>
           </p:cNvPr>
@@ -1808,7 +1808,7 @@
           <a:bodyPr/>
           <a:lstStyle/>
           <a:p>
-            <a:fld id="{D9315C49-1B90-4F33-8E79-87FA99ECAF19}" type="datetimeFigureOut">
+            <a:fld id="{46629511-0FB3-41A2-843F-854190FA91C3}" type="datetimeFigureOut">
               <a:rPr lang="zh-CN" altLang="en-US" smtClean="0"/>
               <a:t>2024/3/10</a:t>
             </a:fld>
@@ -1821,7 +1821,7 @@
           <p:cNvPr id="8" name="页脚占位符 7">
             <a:extLst>
               <a:ext uri="{FF2B5EF4-FFF2-40B4-BE49-F238E27FC236}">
-                <a16:creationId xmlns:a16="http://schemas.microsoft.com/office/drawing/2014/main" id="{29952755-C1C2-B604-5F44-2FB80A2BBDA9}"/>
+                <a16:creationId xmlns:a16="http://schemas.microsoft.com/office/drawing/2014/main" id="{A124E2B7-FBC3-146C-5EDD-2E9E54DF64D4}"/>
               </a:ext>
             </a:extLst>
           </p:cNvPr>
@@ -1846,7 +1846,7 @@
           <p:cNvPr id="9" name="灯片编号占位符 8">
             <a:extLst>
               <a:ext uri="{FF2B5EF4-FFF2-40B4-BE49-F238E27FC236}">
-                <a16:creationId xmlns:a16="http://schemas.microsoft.com/office/drawing/2014/main" id="{B495B532-3128-F1D8-CE8A-F9F0F61341B4}"/>
+                <a16:creationId xmlns:a16="http://schemas.microsoft.com/office/drawing/2014/main" id="{7E8524E2-29A1-1A9E-B676-6AB72DCBABA5}"/>
               </a:ext>
             </a:extLst>
           </p:cNvPr>
@@ -1862,7 +1862,7 @@
           <a:bodyPr/>
           <a:lstStyle/>
           <a:p>
-            <a:fld id="{46F4DD67-95E2-4A1C-A462-C86C75EA3CCA}" type="slidenum">
+            <a:fld id="{549D90DA-E441-45BA-8661-D266EC224355}" type="slidenum">
               <a:rPr lang="zh-CN" altLang="en-US" smtClean="0"/>
               <a:t>‹#›</a:t>
             </a:fld>
@@ -1873,7 +1873,7 @@
     </p:spTree>
     <p:extLst>
       <p:ext uri="{BB962C8B-B14F-4D97-AF65-F5344CB8AC3E}">
-        <p14:creationId xmlns:p14="http://schemas.microsoft.com/office/powerpoint/2010/main" val="3296927766"/>
+        <p14:creationId xmlns:p14="http://schemas.microsoft.com/office/powerpoint/2010/main" val="2897506873"/>
       </p:ext>
     </p:extLst>
   </p:cSld>
@@ -1905,7 +1905,7 @@
           <p:cNvPr id="2" name="标题 1">
             <a:extLst>
               <a:ext uri="{FF2B5EF4-FFF2-40B4-BE49-F238E27FC236}">
-                <a16:creationId xmlns:a16="http://schemas.microsoft.com/office/drawing/2014/main" id="{C2AC005A-76C1-98C5-9BDB-3E204B863B1C}"/>
+                <a16:creationId xmlns:a16="http://schemas.microsoft.com/office/drawing/2014/main" id="{F976DEA0-CA3F-AF89-9817-49411DD49094}"/>
               </a:ext>
             </a:extLst>
           </p:cNvPr>
@@ -1933,7 +1933,7 @@
           <p:cNvPr id="3" name="日期占位符 2">
             <a:extLst>
               <a:ext uri="{FF2B5EF4-FFF2-40B4-BE49-F238E27FC236}">
-                <a16:creationId xmlns:a16="http://schemas.microsoft.com/office/drawing/2014/main" id="{270CDE29-AB80-0A37-CA45-E7B8774207C0}"/>
+                <a16:creationId xmlns:a16="http://schemas.microsoft.com/office/drawing/2014/main" id="{A44D33EF-FF0A-942F-56F2-8A188B6382C1}"/>
               </a:ext>
             </a:extLst>
           </p:cNvPr>
@@ -1949,7 +1949,7 @@
           <a:bodyPr/>
           <a:lstStyle/>
           <a:p>
-            <a:fld id="{D9315C49-1B90-4F33-8E79-87FA99ECAF19}" type="datetimeFigureOut">
+            <a:fld id="{46629511-0FB3-41A2-843F-854190FA91C3}" type="datetimeFigureOut">
               <a:rPr lang="zh-CN" altLang="en-US" smtClean="0"/>
               <a:t>2024/3/10</a:t>
             </a:fld>
@@ -1962,7 +1962,7 @@
           <p:cNvPr id="4" name="页脚占位符 3">
             <a:extLst>
               <a:ext uri="{FF2B5EF4-FFF2-40B4-BE49-F238E27FC236}">
-                <a16:creationId xmlns:a16="http://schemas.microsoft.com/office/drawing/2014/main" id="{77BF671E-4CBD-F6A9-7EF3-289010292B2B}"/>
+                <a16:creationId xmlns:a16="http://schemas.microsoft.com/office/drawing/2014/main" id="{E20D04CD-24D2-213D-E0BD-DB5B8829C797}"/>
               </a:ext>
             </a:extLst>
           </p:cNvPr>
@@ -1987,7 +1987,7 @@
           <p:cNvPr id="5" name="灯片编号占位符 4">
             <a:extLst>
               <a:ext uri="{FF2B5EF4-FFF2-40B4-BE49-F238E27FC236}">
-                <a16:creationId xmlns:a16="http://schemas.microsoft.com/office/drawing/2014/main" id="{3E12ACB2-AEF8-917F-E751-A5A419A6344C}"/>
+                <a16:creationId xmlns:a16="http://schemas.microsoft.com/office/drawing/2014/main" id="{C635B18E-0E2B-9EC1-C7C9-69E39424543B}"/>
               </a:ext>
             </a:extLst>
           </p:cNvPr>
@@ -2003,7 +2003,7 @@
           <a:bodyPr/>
           <a:lstStyle/>
           <a:p>
-            <a:fld id="{46F4DD67-95E2-4A1C-A462-C86C75EA3CCA}" type="slidenum">
+            <a:fld id="{549D90DA-E441-45BA-8661-D266EC224355}" type="slidenum">
               <a:rPr lang="zh-CN" altLang="en-US" smtClean="0"/>
               <a:t>‹#›</a:t>
             </a:fld>
@@ -2014,7 +2014,7 @@
     </p:spTree>
     <p:extLst>
       <p:ext uri="{BB962C8B-B14F-4D97-AF65-F5344CB8AC3E}">
-        <p14:creationId xmlns:p14="http://schemas.microsoft.com/office/powerpoint/2010/main" val="2852265015"/>
+        <p14:creationId xmlns:p14="http://schemas.microsoft.com/office/powerpoint/2010/main" val="3940731880"/>
       </p:ext>
     </p:extLst>
   </p:cSld>
@@ -2046,7 +2046,7 @@
           <p:cNvPr id="2" name="日期占位符 1">
             <a:extLst>
               <a:ext uri="{FF2B5EF4-FFF2-40B4-BE49-F238E27FC236}">
-                <a16:creationId xmlns:a16="http://schemas.microsoft.com/office/drawing/2014/main" id="{98B0DBF0-E3E3-3CDF-70B1-D98CF2659651}"/>
+                <a16:creationId xmlns:a16="http://schemas.microsoft.com/office/drawing/2014/main" id="{62B094A2-AAA0-F974-83D0-F1A823A5CBA0}"/>
               </a:ext>
             </a:extLst>
           </p:cNvPr>
@@ -2062,7 +2062,7 @@
           <a:bodyPr/>
           <a:lstStyle/>
           <a:p>
-            <a:fld id="{D9315C49-1B90-4F33-8E79-87FA99ECAF19}" type="datetimeFigureOut">
+            <a:fld id="{46629511-0FB3-41A2-843F-854190FA91C3}" type="datetimeFigureOut">
               <a:rPr lang="zh-CN" altLang="en-US" smtClean="0"/>
               <a:t>2024/3/10</a:t>
             </a:fld>
@@ -2075,7 +2075,7 @@
           <p:cNvPr id="3" name="页脚占位符 2">
             <a:extLst>
               <a:ext uri="{FF2B5EF4-FFF2-40B4-BE49-F238E27FC236}">
-                <a16:creationId xmlns:a16="http://schemas.microsoft.com/office/drawing/2014/main" id="{CC1D48E5-2C2F-B881-118D-75EF3E1E7FCC}"/>
+                <a16:creationId xmlns:a16="http://schemas.microsoft.com/office/drawing/2014/main" id="{D71A6DBC-3B0C-C071-B839-DB6209FA9ECD}"/>
               </a:ext>
             </a:extLst>
           </p:cNvPr>
@@ -2100,7 +2100,7 @@
           <p:cNvPr id="4" name="灯片编号占位符 3">
             <a:extLst>
               <a:ext uri="{FF2B5EF4-FFF2-40B4-BE49-F238E27FC236}">
-                <a16:creationId xmlns:a16="http://schemas.microsoft.com/office/drawing/2014/main" id="{0D586B23-D06B-7662-7F77-74DED67F05DD}"/>
+                <a16:creationId xmlns:a16="http://schemas.microsoft.com/office/drawing/2014/main" id="{BC687793-56B0-C763-AFF6-E9A959306F7B}"/>
               </a:ext>
             </a:extLst>
           </p:cNvPr>
@@ -2116,7 +2116,7 @@
           <a:bodyPr/>
           <a:lstStyle/>
           <a:p>
-            <a:fld id="{46F4DD67-95E2-4A1C-A462-C86C75EA3CCA}" type="slidenum">
+            <a:fld id="{549D90DA-E441-45BA-8661-D266EC224355}" type="slidenum">
               <a:rPr lang="zh-CN" altLang="en-US" smtClean="0"/>
               <a:t>‹#›</a:t>
             </a:fld>
@@ -2127,7 +2127,7 @@
     </p:spTree>
     <p:extLst>
       <p:ext uri="{BB962C8B-B14F-4D97-AF65-F5344CB8AC3E}">
-        <p14:creationId xmlns:p14="http://schemas.microsoft.com/office/powerpoint/2010/main" val="484577192"/>
+        <p14:creationId xmlns:p14="http://schemas.microsoft.com/office/powerpoint/2010/main" val="1769279953"/>
       </p:ext>
     </p:extLst>
   </p:cSld>
@@ -2159,7 +2159,7 @@
           <p:cNvPr id="2" name="标题 1">
             <a:extLst>
               <a:ext uri="{FF2B5EF4-FFF2-40B4-BE49-F238E27FC236}">
-                <a16:creationId xmlns:a16="http://schemas.microsoft.com/office/drawing/2014/main" id="{59FFA159-FA01-431C-1626-8ACE65D93926}"/>
+                <a16:creationId xmlns:a16="http://schemas.microsoft.com/office/drawing/2014/main" id="{972D4020-A6FC-4BCB-4B9E-D4F6A0ACF705}"/>
               </a:ext>
             </a:extLst>
           </p:cNvPr>
@@ -2196,7 +2196,7 @@
           <p:cNvPr id="3" name="内容占位符 2">
             <a:extLst>
               <a:ext uri="{FF2B5EF4-FFF2-40B4-BE49-F238E27FC236}">
-                <a16:creationId xmlns:a16="http://schemas.microsoft.com/office/drawing/2014/main" id="{95B1BB77-383C-6290-A818-977A5CB65E3C}"/>
+                <a16:creationId xmlns:a16="http://schemas.microsoft.com/office/drawing/2014/main" id="{A54D09A3-DD2C-1DAB-EE2B-3638A2953507}"/>
               </a:ext>
             </a:extLst>
           </p:cNvPr>
@@ -2286,7 +2286,7 @@
           <p:cNvPr id="4" name="文本占位符 3">
             <a:extLst>
               <a:ext uri="{FF2B5EF4-FFF2-40B4-BE49-F238E27FC236}">
-                <a16:creationId xmlns:a16="http://schemas.microsoft.com/office/drawing/2014/main" id="{E9C7CABC-8BB4-0F50-571E-B08639CC5087}"/>
+                <a16:creationId xmlns:a16="http://schemas.microsoft.com/office/drawing/2014/main" id="{F0A20A85-A249-4C2B-5D46-FEAC82CD8AF9}"/>
               </a:ext>
             </a:extLst>
           </p:cNvPr>
@@ -2357,7 +2357,7 @@
           <p:cNvPr id="5" name="日期占位符 4">
             <a:extLst>
               <a:ext uri="{FF2B5EF4-FFF2-40B4-BE49-F238E27FC236}">
-                <a16:creationId xmlns:a16="http://schemas.microsoft.com/office/drawing/2014/main" id="{3D08A029-A304-F90A-B9CD-0CE83D292754}"/>
+                <a16:creationId xmlns:a16="http://schemas.microsoft.com/office/drawing/2014/main" id="{4677723A-C581-8FF1-249B-78D399380F27}"/>
               </a:ext>
             </a:extLst>
           </p:cNvPr>
@@ -2373,7 +2373,7 @@
           <a:bodyPr/>
           <a:lstStyle/>
           <a:p>
-            <a:fld id="{D9315C49-1B90-4F33-8E79-87FA99ECAF19}" type="datetimeFigureOut">
+            <a:fld id="{46629511-0FB3-41A2-843F-854190FA91C3}" type="datetimeFigureOut">
               <a:rPr lang="zh-CN" altLang="en-US" smtClean="0"/>
               <a:t>2024/3/10</a:t>
             </a:fld>
@@ -2386,7 +2386,7 @@
           <p:cNvPr id="6" name="页脚占位符 5">
             <a:extLst>
               <a:ext uri="{FF2B5EF4-FFF2-40B4-BE49-F238E27FC236}">
-                <a16:creationId xmlns:a16="http://schemas.microsoft.com/office/drawing/2014/main" id="{92BA129B-4C2D-B163-B78F-13709E8606DC}"/>
+                <a16:creationId xmlns:a16="http://schemas.microsoft.com/office/drawing/2014/main" id="{C6D82F2F-B826-14B0-C312-89DE14326A3C}"/>
               </a:ext>
             </a:extLst>
           </p:cNvPr>
@@ -2411,7 +2411,7 @@
           <p:cNvPr id="7" name="灯片编号占位符 6">
             <a:extLst>
               <a:ext uri="{FF2B5EF4-FFF2-40B4-BE49-F238E27FC236}">
-                <a16:creationId xmlns:a16="http://schemas.microsoft.com/office/drawing/2014/main" id="{DCA5068B-534C-F406-8B69-10E04E0BDCF0}"/>
+                <a16:creationId xmlns:a16="http://schemas.microsoft.com/office/drawing/2014/main" id="{E4C20A95-4E66-32F0-E802-0D5E2C2C5FF1}"/>
               </a:ext>
             </a:extLst>
           </p:cNvPr>
@@ -2427,7 +2427,7 @@
           <a:bodyPr/>
           <a:lstStyle/>
           <a:p>
-            <a:fld id="{46F4DD67-95E2-4A1C-A462-C86C75EA3CCA}" type="slidenum">
+            <a:fld id="{549D90DA-E441-45BA-8661-D266EC224355}" type="slidenum">
               <a:rPr lang="zh-CN" altLang="en-US" smtClean="0"/>
               <a:t>‹#›</a:t>
             </a:fld>
@@ -2438,7 +2438,7 @@
     </p:spTree>
     <p:extLst>
       <p:ext uri="{BB962C8B-B14F-4D97-AF65-F5344CB8AC3E}">
-        <p14:creationId xmlns:p14="http://schemas.microsoft.com/office/powerpoint/2010/main" val="4246512251"/>
+        <p14:creationId xmlns:p14="http://schemas.microsoft.com/office/powerpoint/2010/main" val="202614995"/>
       </p:ext>
     </p:extLst>
   </p:cSld>
@@ -2470,7 +2470,7 @@
           <p:cNvPr id="2" name="标题 1">
             <a:extLst>
               <a:ext uri="{FF2B5EF4-FFF2-40B4-BE49-F238E27FC236}">
-                <a16:creationId xmlns:a16="http://schemas.microsoft.com/office/drawing/2014/main" id="{640588CD-7E17-889E-C448-64635B20CD8B}"/>
+                <a16:creationId xmlns:a16="http://schemas.microsoft.com/office/drawing/2014/main" id="{B56E7466-E7C4-98E0-AE72-A960FAF168D3}"/>
               </a:ext>
             </a:extLst>
           </p:cNvPr>
@@ -2507,7 +2507,7 @@
           <p:cNvPr id="3" name="图片占位符 2">
             <a:extLst>
               <a:ext uri="{FF2B5EF4-FFF2-40B4-BE49-F238E27FC236}">
-                <a16:creationId xmlns:a16="http://schemas.microsoft.com/office/drawing/2014/main" id="{74641FF6-116A-719A-0DEB-9FDC6FF6F153}"/>
+                <a16:creationId xmlns:a16="http://schemas.microsoft.com/office/drawing/2014/main" id="{816042F2-4CF0-EA72-145E-CD4B0FADBDD8}"/>
               </a:ext>
             </a:extLst>
           </p:cNvPr>
@@ -2574,7 +2574,7 @@
           <p:cNvPr id="4" name="文本占位符 3">
             <a:extLst>
               <a:ext uri="{FF2B5EF4-FFF2-40B4-BE49-F238E27FC236}">
-                <a16:creationId xmlns:a16="http://schemas.microsoft.com/office/drawing/2014/main" id="{C085494F-C114-E429-C351-8DA506C083DD}"/>
+                <a16:creationId xmlns:a16="http://schemas.microsoft.com/office/drawing/2014/main" id="{E0787AB3-9D43-C769-5DED-16D695589F8B}"/>
               </a:ext>
             </a:extLst>
           </p:cNvPr>
@@ -2645,7 +2645,7 @@
           <p:cNvPr id="5" name="日期占位符 4">
             <a:extLst>
               <a:ext uri="{FF2B5EF4-FFF2-40B4-BE49-F238E27FC236}">
-                <a16:creationId xmlns:a16="http://schemas.microsoft.com/office/drawing/2014/main" id="{0E4AB438-EAA4-308C-8028-FE9816676C78}"/>
+                <a16:creationId xmlns:a16="http://schemas.microsoft.com/office/drawing/2014/main" id="{4B5F3319-8095-3A24-B37C-9441C532B398}"/>
               </a:ext>
             </a:extLst>
           </p:cNvPr>
@@ -2661,7 +2661,7 @@
           <a:bodyPr/>
           <a:lstStyle/>
           <a:p>
-            <a:fld id="{D9315C49-1B90-4F33-8E79-87FA99ECAF19}" type="datetimeFigureOut">
+            <a:fld id="{46629511-0FB3-41A2-843F-854190FA91C3}" type="datetimeFigureOut">
               <a:rPr lang="zh-CN" altLang="en-US" smtClean="0"/>
               <a:t>2024/3/10</a:t>
             </a:fld>
@@ -2674,7 +2674,7 @@
           <p:cNvPr id="6" name="页脚占位符 5">
             <a:extLst>
               <a:ext uri="{FF2B5EF4-FFF2-40B4-BE49-F238E27FC236}">
-                <a16:creationId xmlns:a16="http://schemas.microsoft.com/office/drawing/2014/main" id="{571A6096-53C9-2855-0888-4DB1F2127332}"/>
+                <a16:creationId xmlns:a16="http://schemas.microsoft.com/office/drawing/2014/main" id="{0C2121A2-AC9E-5637-73C6-3BDD9CFAB67C}"/>
               </a:ext>
             </a:extLst>
           </p:cNvPr>
@@ -2699,7 +2699,7 @@
           <p:cNvPr id="7" name="灯片编号占位符 6">
             <a:extLst>
               <a:ext uri="{FF2B5EF4-FFF2-40B4-BE49-F238E27FC236}">
-                <a16:creationId xmlns:a16="http://schemas.microsoft.com/office/drawing/2014/main" id="{4F117A72-3D8F-3879-4B3B-234DF77EFE6F}"/>
+                <a16:creationId xmlns:a16="http://schemas.microsoft.com/office/drawing/2014/main" id="{B4F0A4C3-1A2E-DA82-3DFB-0B2A50F0664E}"/>
               </a:ext>
             </a:extLst>
           </p:cNvPr>
@@ -2715,7 +2715,7 @@
           <a:bodyPr/>
           <a:lstStyle/>
           <a:p>
-            <a:fld id="{46F4DD67-95E2-4A1C-A462-C86C75EA3CCA}" type="slidenum">
+            <a:fld id="{549D90DA-E441-45BA-8661-D266EC224355}" type="slidenum">
               <a:rPr lang="zh-CN" altLang="en-US" smtClean="0"/>
               <a:t>‹#›</a:t>
             </a:fld>
@@ -2726,7 +2726,7 @@
     </p:spTree>
     <p:extLst>
       <p:ext uri="{BB962C8B-B14F-4D97-AF65-F5344CB8AC3E}">
-        <p14:creationId xmlns:p14="http://schemas.microsoft.com/office/powerpoint/2010/main" val="1597606890"/>
+        <p14:creationId xmlns:p14="http://schemas.microsoft.com/office/powerpoint/2010/main" val="2785843418"/>
       </p:ext>
     </p:extLst>
   </p:cSld>
@@ -2763,7 +2763,7 @@
           <p:cNvPr id="2" name="标题占位符 1">
             <a:extLst>
               <a:ext uri="{FF2B5EF4-FFF2-40B4-BE49-F238E27FC236}">
-                <a16:creationId xmlns:a16="http://schemas.microsoft.com/office/drawing/2014/main" id="{F1A5B06C-43C5-0232-FD5E-58A777C8D9BC}"/>
+                <a16:creationId xmlns:a16="http://schemas.microsoft.com/office/drawing/2014/main" id="{01E31600-48C1-C1A8-6B02-70F31AAFFC9F}"/>
               </a:ext>
             </a:extLst>
           </p:cNvPr>
@@ -2801,7 +2801,7 @@
           <p:cNvPr id="3" name="文本占位符 2">
             <a:extLst>
               <a:ext uri="{FF2B5EF4-FFF2-40B4-BE49-F238E27FC236}">
-                <a16:creationId xmlns:a16="http://schemas.microsoft.com/office/drawing/2014/main" id="{3A834FBB-947D-458C-2156-5A38FC6586D6}"/>
+                <a16:creationId xmlns:a16="http://schemas.microsoft.com/office/drawing/2014/main" id="{7FC68D02-4FBF-E202-888A-FA7445836903}"/>
               </a:ext>
             </a:extLst>
           </p:cNvPr>
@@ -2868,7 +2868,7 @@
           <p:cNvPr id="4" name="日期占位符 3">
             <a:extLst>
               <a:ext uri="{FF2B5EF4-FFF2-40B4-BE49-F238E27FC236}">
-                <a16:creationId xmlns:a16="http://schemas.microsoft.com/office/drawing/2014/main" id="{F5A78209-D846-E3AA-6AE5-39079A8E1F4B}"/>
+                <a16:creationId xmlns:a16="http://schemas.microsoft.com/office/drawing/2014/main" id="{75FC3730-0FFD-A800-4963-131CE813B838}"/>
               </a:ext>
             </a:extLst>
           </p:cNvPr>
@@ -2902,7 +2902,7 @@
             </a:lvl1pPr>
           </a:lstStyle>
           <a:p>
-            <a:fld id="{D9315C49-1B90-4F33-8E79-87FA99ECAF19}" type="datetimeFigureOut">
+            <a:fld id="{46629511-0FB3-41A2-843F-854190FA91C3}" type="datetimeFigureOut">
               <a:rPr lang="zh-CN" altLang="en-US" smtClean="0"/>
               <a:t>2024/3/10</a:t>
             </a:fld>
@@ -2915,7 +2915,7 @@
           <p:cNvPr id="5" name="页脚占位符 4">
             <a:extLst>
               <a:ext uri="{FF2B5EF4-FFF2-40B4-BE49-F238E27FC236}">
-                <a16:creationId xmlns:a16="http://schemas.microsoft.com/office/drawing/2014/main" id="{AFCC05B8-7194-BB28-6DB4-BE3A37625D0B}"/>
+                <a16:creationId xmlns:a16="http://schemas.microsoft.com/office/drawing/2014/main" id="{0BC2B256-04C0-DFD2-108F-77CBEC2E4993}"/>
               </a:ext>
             </a:extLst>
           </p:cNvPr>
@@ -2958,7 +2958,7 @@
           <p:cNvPr id="6" name="灯片编号占位符 5">
             <a:extLst>
               <a:ext uri="{FF2B5EF4-FFF2-40B4-BE49-F238E27FC236}">
-                <a16:creationId xmlns:a16="http://schemas.microsoft.com/office/drawing/2014/main" id="{E302262E-CDF3-A5BC-F275-A3AA87C72759}"/>
+                <a16:creationId xmlns:a16="http://schemas.microsoft.com/office/drawing/2014/main" id="{5B9080AD-AC22-525D-2D1D-9E425AD3FA73}"/>
               </a:ext>
             </a:extLst>
           </p:cNvPr>
@@ -2992,7 +2992,7 @@
             </a:lvl1pPr>
           </a:lstStyle>
           <a:p>
-            <a:fld id="{46F4DD67-95E2-4A1C-A462-C86C75EA3CCA}" type="slidenum">
+            <a:fld id="{549D90DA-E441-45BA-8661-D266EC224355}" type="slidenum">
               <a:rPr lang="zh-CN" altLang="en-US" smtClean="0"/>
               <a:t>‹#›</a:t>
             </a:fld>
@@ -3003,7 +3003,7 @@
     </p:spTree>
     <p:extLst>
       <p:ext uri="{BB962C8B-B14F-4D97-AF65-F5344CB8AC3E}">
-        <p14:creationId xmlns:p14="http://schemas.microsoft.com/office/powerpoint/2010/main" val="3097180626"/>
+        <p14:creationId xmlns:p14="http://schemas.microsoft.com/office/powerpoint/2010/main" val="2627882054"/>
       </p:ext>
     </p:extLst>
   </p:cSld>
